--- a/EE/Accel/Accel MPU-6050.pptx
+++ b/EE/Accel/Accel MPU-6050.pptx
@@ -268,7 +268,7 @@
           <a:p>
             <a:fld id="{F7D362FE-C063-4D8C-8C43-D4118038CCF2}" type="datetimeFigureOut">
               <a:rPr lang="en-US" smtClean="0"/>
-              <a:t>12/7/2018</a:t>
+              <a:t>12/13/2018</a:t>
             </a:fld>
             <a:endParaRPr lang="en-US"/>
           </a:p>
@@ -447,7 +447,7 @@
               <a:pPr>
                 <a:defRPr/>
               </a:pPr>
-              <a:t>12/7/2018</a:t>
+              <a:t>12/13/2018</a:t>
             </a:fld>
             <a:endParaRPr lang="en-US"/>
           </a:p>
@@ -2257,7 +2257,7 @@
         </p:blipFill>
         <p:spPr>
           <a:xfrm>
-            <a:off x="2160994" y="2921293"/>
+            <a:off x="2160994" y="2949321"/>
             <a:ext cx="3787208" cy="3881247"/>
           </a:xfrm>
           <a:prstGeom prst="rect">
@@ -2735,7 +2735,7 @@
         </p:blipFill>
         <p:spPr>
           <a:xfrm>
-            <a:off x="1711325" y="3085588"/>
+            <a:off x="24384" y="3085588"/>
             <a:ext cx="8444611" cy="3379221"/>
           </a:xfrm>
           <a:prstGeom prst="rect">
@@ -2743,6 +2743,61 @@
           </a:prstGeom>
         </p:spPr>
       </p:pic>
+      <p:sp>
+        <p:nvSpPr>
+          <p:cNvPr id="3" name="文本框 2">
+            <a:extLst>
+              <a:ext uri="{FF2B5EF4-FFF2-40B4-BE49-F238E27FC236}">
+                <a16:creationId xmlns:a16="http://schemas.microsoft.com/office/drawing/2014/main" id="{64AD9FBE-46BE-4905-9CE8-BA7C7BFD3BB3}"/>
+              </a:ext>
+            </a:extLst>
+          </p:cNvPr>
+          <p:cNvSpPr txBox="1"/>
+          <p:nvPr/>
+        </p:nvSpPr>
+        <p:spPr>
+          <a:xfrm>
+            <a:off x="8400288" y="3341279"/>
+            <a:ext cx="3621024" cy="1200329"/>
+          </a:xfrm>
+          <a:prstGeom prst="rect">
+            <a:avLst/>
+          </a:prstGeom>
+          <a:noFill/>
+        </p:spPr>
+        <p:txBody>
+          <a:bodyPr wrap="square" rtlCol="0">
+            <a:spAutoFit/>
+          </a:bodyPr>
+          <a:lstStyle/>
+          <a:p>
+            <a:r>
+              <a:rPr lang="en-US" dirty="0" err="1"/>
+              <a:t>Addr</a:t>
+            </a:r>
+            <a:r>
+              <a:rPr lang="en-US" dirty="0"/>
+              <a:t>: b110100X</a:t>
+            </a:r>
+          </a:p>
+          <a:p>
+            <a:r>
+              <a:rPr lang="en-US" dirty="0"/>
+              <a:t>b1101000 (pin AD0 is logic low) </a:t>
+            </a:r>
+          </a:p>
+          <a:p>
+            <a:r>
+              <a:rPr lang="en-US" dirty="0"/>
+              <a:t>b1101001 (pin AD0 is logic high) </a:t>
+            </a:r>
+            <a:br>
+              <a:rPr lang="en-US" dirty="0"/>
+            </a:br>
+            <a:endParaRPr lang="en-US" dirty="0"/>
+          </a:p>
+        </p:txBody>
+      </p:sp>
     </p:spTree>
     <p:extLst>
       <p:ext uri="{BB962C8B-B14F-4D97-AF65-F5344CB8AC3E}">

--- a/EE/Accel/Accel MPU-6050.pptx
+++ b/EE/Accel/Accel MPU-6050.pptx
@@ -268,7 +268,7 @@
           <a:p>
             <a:fld id="{F7D362FE-C063-4D8C-8C43-D4118038CCF2}" type="datetimeFigureOut">
               <a:rPr lang="en-US" smtClean="0"/>
-              <a:t>12/13/2018</a:t>
+              <a:t>12/18/2018</a:t>
             </a:fld>
             <a:endParaRPr lang="en-US"/>
           </a:p>
@@ -447,7 +447,7 @@
               <a:pPr>
                 <a:defRPr/>
               </a:pPr>
-              <a:t>12/13/2018</a:t>
+              <a:t>12/18/2018</a:t>
             </a:fld>
             <a:endParaRPr lang="en-US"/>
           </a:p>
@@ -2395,8 +2395,8 @@
         </p:blipFill>
         <p:spPr>
           <a:xfrm>
-            <a:off x="5347913" y="824971"/>
-            <a:ext cx="5557860" cy="2865018"/>
+            <a:off x="1450848" y="824971"/>
+            <a:ext cx="9454925" cy="4873914"/>
           </a:xfrm>
           <a:prstGeom prst="rect">
             <a:avLst/>
@@ -2783,13 +2783,13 @@
           <a:p>
             <a:r>
               <a:rPr lang="en-US" dirty="0"/>
-              <a:t>b1101000 (pin AD0 is logic low) </a:t>
+              <a:t>b01101000 (pin AD0 is logic low) </a:t>
             </a:r>
           </a:p>
           <a:p>
             <a:r>
               <a:rPr lang="en-US" dirty="0"/>
-              <a:t>b1101001 (pin AD0 is logic high) </a:t>
+              <a:t>b01101001 (pin AD0 is logic high) </a:t>
             </a:r>
             <a:br>
               <a:rPr lang="en-US" dirty="0"/>

--- a/EE/Accel/Accel MPU-6050.pptx
+++ b/EE/Accel/Accel MPU-6050.pptx
@@ -5,10 +5,10 @@
     <p:sldMasterId id="2147483648" r:id="rId1"/>
   </p:sldMasterIdLst>
   <p:notesMasterIdLst>
-    <p:notesMasterId r:id="rId11"/>
+    <p:notesMasterId r:id="rId14"/>
   </p:notesMasterIdLst>
   <p:handoutMasterIdLst>
-    <p:handoutMasterId r:id="rId12"/>
+    <p:handoutMasterId r:id="rId15"/>
   </p:handoutMasterIdLst>
   <p:sldIdLst>
     <p:sldId id="256" r:id="rId2"/>
@@ -18,8 +18,11 @@
     <p:sldId id="319" r:id="rId6"/>
     <p:sldId id="321" r:id="rId7"/>
     <p:sldId id="320" r:id="rId8"/>
-    <p:sldId id="315" r:id="rId9"/>
-    <p:sldId id="316" r:id="rId10"/>
+    <p:sldId id="322" r:id="rId9"/>
+    <p:sldId id="323" r:id="rId10"/>
+    <p:sldId id="325" r:id="rId11"/>
+    <p:sldId id="315" r:id="rId12"/>
+    <p:sldId id="316" r:id="rId13"/>
   </p:sldIdLst>
   <p:sldSz cx="12192000" cy="6858000"/>
   <p:notesSz cx="6858000" cy="9144000"/>
@@ -268,7 +271,7 @@
           <a:p>
             <a:fld id="{F7D362FE-C063-4D8C-8C43-D4118038CCF2}" type="datetimeFigureOut">
               <a:rPr lang="en-US" smtClean="0"/>
-              <a:t>12/18/2018</a:t>
+              <a:t>12/20/2018</a:t>
             </a:fld>
             <a:endParaRPr lang="en-US"/>
           </a:p>
@@ -447,7 +450,7 @@
               <a:pPr>
                 <a:defRPr/>
               </a:pPr>
-              <a:t>12/18/2018</a:t>
+              <a:t>12/20/2018</a:t>
             </a:fld>
             <a:endParaRPr lang="en-US"/>
           </a:p>
@@ -2055,6 +2058,432 @@
 </p:sld>
 </file>
 
+<file path=ppt/slides/slide10.xml><?xml version="1.0" encoding="utf-8"?>
+<p:sld xmlns:a="http://schemas.openxmlformats.org/drawingml/2006/main" xmlns:r="http://schemas.openxmlformats.org/officeDocument/2006/relationships" xmlns:p="http://schemas.openxmlformats.org/presentationml/2006/main">
+  <p:cSld>
+    <p:spTree>
+      <p:nvGrpSpPr>
+        <p:cNvPr id="1" name=""/>
+        <p:cNvGrpSpPr/>
+        <p:nvPr/>
+      </p:nvGrpSpPr>
+      <p:grpSpPr>
+        <a:xfrm>
+          <a:off x="0" y="0"/>
+          <a:ext cx="0" cy="0"/>
+          <a:chOff x="0" y="0"/>
+          <a:chExt cx="0" cy="0"/>
+        </a:xfrm>
+      </p:grpSpPr>
+      <p:sp>
+        <p:nvSpPr>
+          <p:cNvPr id="2" name="标题 1"/>
+          <p:cNvSpPr>
+            <a:spLocks noGrp="1"/>
+          </p:cNvSpPr>
+          <p:nvPr>
+            <p:ph type="title"/>
+          </p:nvPr>
+        </p:nvSpPr>
+        <p:spPr/>
+        <p:txBody>
+          <a:bodyPr/>
+          <a:lstStyle/>
+          <a:p>
+            <a:r>
+              <a:rPr lang="en-US" altLang="zh-CN" dirty="0"/>
+              <a:t>Gyroscope Cal</a:t>
+            </a:r>
+            <a:endParaRPr lang="zh-CN" altLang="en-US" dirty="0"/>
+          </a:p>
+        </p:txBody>
+      </p:sp>
+      <p:sp>
+        <p:nvSpPr>
+          <p:cNvPr id="4" name="页脚占位符 3"/>
+          <p:cNvSpPr>
+            <a:spLocks noGrp="1"/>
+          </p:cNvSpPr>
+          <p:nvPr>
+            <p:ph type="ftr" sz="quarter" idx="11"/>
+          </p:nvPr>
+        </p:nvSpPr>
+        <p:spPr/>
+        <p:txBody>
+          <a:bodyPr/>
+          <a:lstStyle/>
+          <a:p>
+            <a:pPr>
+              <a:defRPr/>
+            </a:pPr>
+            <a:r>
+              <a:rPr lang="en-US"/>
+              <a:t>SVR Confidential</a:t>
+            </a:r>
+            <a:endParaRPr lang="en-US" dirty="0"/>
+          </a:p>
+        </p:txBody>
+      </p:sp>
+      <p:sp>
+        <p:nvSpPr>
+          <p:cNvPr id="5" name="灯片编号占位符 4"/>
+          <p:cNvSpPr>
+            <a:spLocks noGrp="1"/>
+          </p:cNvSpPr>
+          <p:nvPr>
+            <p:ph type="sldNum" sz="quarter" idx="12"/>
+          </p:nvPr>
+        </p:nvSpPr>
+        <p:spPr/>
+        <p:txBody>
+          <a:bodyPr/>
+          <a:lstStyle/>
+          <a:p>
+            <a:pPr>
+              <a:defRPr/>
+            </a:pPr>
+            <a:fld id="{99E3D72C-B396-49C7-9055-03FBC73C5136}" type="slidenum">
+              <a:rPr lang="en-US" smtClean="0"/>
+              <a:pPr>
+                <a:defRPr/>
+              </a:pPr>
+              <a:t>10</a:t>
+            </a:fld>
+            <a:endParaRPr lang="en-US"/>
+          </a:p>
+        </p:txBody>
+      </p:sp>
+      <p:pic>
+        <p:nvPicPr>
+          <p:cNvPr id="3" name="图片 2">
+            <a:extLst>
+              <a:ext uri="{FF2B5EF4-FFF2-40B4-BE49-F238E27FC236}">
+                <a16:creationId xmlns:a16="http://schemas.microsoft.com/office/drawing/2014/main" id="{BB2055C7-3D2F-4226-812B-76833E8BD1D4}"/>
+              </a:ext>
+            </a:extLst>
+          </p:cNvPr>
+          <p:cNvPicPr>
+            <a:picLocks noChangeAspect="1"/>
+          </p:cNvPicPr>
+          <p:nvPr/>
+        </p:nvPicPr>
+        <p:blipFill>
+          <a:blip r:embed="rId2"/>
+          <a:stretch>
+            <a:fillRect/>
+          </a:stretch>
+        </p:blipFill>
+        <p:spPr>
+          <a:xfrm>
+            <a:off x="902208" y="868140"/>
+            <a:ext cx="8791575" cy="1809750"/>
+          </a:xfrm>
+          <a:prstGeom prst="rect">
+            <a:avLst/>
+          </a:prstGeom>
+        </p:spPr>
+      </p:pic>
+      <p:pic>
+        <p:nvPicPr>
+          <p:cNvPr id="6" name="图片 5">
+            <a:extLst>
+              <a:ext uri="{FF2B5EF4-FFF2-40B4-BE49-F238E27FC236}">
+                <a16:creationId xmlns:a16="http://schemas.microsoft.com/office/drawing/2014/main" id="{04410990-97CA-4A9C-BD9E-28C14DE2277F}"/>
+              </a:ext>
+            </a:extLst>
+          </p:cNvPr>
+          <p:cNvPicPr>
+            <a:picLocks noChangeAspect="1"/>
+          </p:cNvPicPr>
+          <p:nvPr/>
+        </p:nvPicPr>
+        <p:blipFill>
+          <a:blip r:embed="rId3"/>
+          <a:stretch>
+            <a:fillRect/>
+          </a:stretch>
+        </p:blipFill>
+        <p:spPr>
+          <a:xfrm>
+            <a:off x="967492" y="2845308"/>
+            <a:ext cx="4333875" cy="1295400"/>
+          </a:xfrm>
+          <a:prstGeom prst="rect">
+            <a:avLst/>
+          </a:prstGeom>
+        </p:spPr>
+      </p:pic>
+    </p:spTree>
+    <p:extLst>
+      <p:ext uri="{BB962C8B-B14F-4D97-AF65-F5344CB8AC3E}">
+        <p14:creationId xmlns:p14="http://schemas.microsoft.com/office/powerpoint/2010/main" val="3246935373"/>
+      </p:ext>
+    </p:extLst>
+  </p:cSld>
+  <p:clrMapOvr>
+    <a:masterClrMapping/>
+  </p:clrMapOvr>
+</p:sld>
+</file>
+
+<file path=ppt/slides/slide11.xml><?xml version="1.0" encoding="utf-8"?>
+<p:sld xmlns:a="http://schemas.openxmlformats.org/drawingml/2006/main" xmlns:r="http://schemas.openxmlformats.org/officeDocument/2006/relationships" xmlns:p="http://schemas.openxmlformats.org/presentationml/2006/main">
+  <p:cSld>
+    <p:spTree>
+      <p:nvGrpSpPr>
+        <p:cNvPr id="1" name=""/>
+        <p:cNvGrpSpPr/>
+        <p:nvPr/>
+      </p:nvGrpSpPr>
+      <p:grpSpPr>
+        <a:xfrm>
+          <a:off x="0" y="0"/>
+          <a:ext cx="0" cy="0"/>
+          <a:chOff x="0" y="0"/>
+          <a:chExt cx="0" cy="0"/>
+        </a:xfrm>
+      </p:grpSpPr>
+      <p:sp>
+        <p:nvSpPr>
+          <p:cNvPr id="2" name="标题 1"/>
+          <p:cNvSpPr>
+            <a:spLocks noGrp="1"/>
+          </p:cNvSpPr>
+          <p:nvPr>
+            <p:ph type="title"/>
+          </p:nvPr>
+        </p:nvSpPr>
+        <p:spPr/>
+        <p:txBody>
+          <a:bodyPr/>
+          <a:lstStyle/>
+          <a:p>
+            <a:r>
+              <a:rPr lang="en-US" altLang="zh-CN" dirty="0"/>
+              <a:t>Conclusion</a:t>
+            </a:r>
+            <a:endParaRPr lang="zh-CN" altLang="en-US" dirty="0"/>
+          </a:p>
+        </p:txBody>
+      </p:sp>
+      <p:sp>
+        <p:nvSpPr>
+          <p:cNvPr id="3" name="内容占位符 2"/>
+          <p:cNvSpPr>
+            <a:spLocks noGrp="1"/>
+          </p:cNvSpPr>
+          <p:nvPr>
+            <p:ph idx="1"/>
+          </p:nvPr>
+        </p:nvSpPr>
+        <p:spPr/>
+        <p:txBody>
+          <a:bodyPr/>
+          <a:lstStyle/>
+          <a:p>
+            <a:endParaRPr lang="zh-CN" altLang="en-US"/>
+          </a:p>
+        </p:txBody>
+      </p:sp>
+      <p:sp>
+        <p:nvSpPr>
+          <p:cNvPr id="4" name="页脚占位符 3"/>
+          <p:cNvSpPr>
+            <a:spLocks noGrp="1"/>
+          </p:cNvSpPr>
+          <p:nvPr>
+            <p:ph type="ftr" sz="quarter" idx="11"/>
+          </p:nvPr>
+        </p:nvSpPr>
+        <p:spPr/>
+        <p:txBody>
+          <a:bodyPr/>
+          <a:lstStyle/>
+          <a:p>
+            <a:pPr>
+              <a:defRPr/>
+            </a:pPr>
+            <a:r>
+              <a:rPr lang="en-US"/>
+              <a:t>SVR Confidential</a:t>
+            </a:r>
+            <a:endParaRPr lang="en-US" dirty="0"/>
+          </a:p>
+        </p:txBody>
+      </p:sp>
+      <p:sp>
+        <p:nvSpPr>
+          <p:cNvPr id="5" name="灯片编号占位符 4"/>
+          <p:cNvSpPr>
+            <a:spLocks noGrp="1"/>
+          </p:cNvSpPr>
+          <p:nvPr>
+            <p:ph type="sldNum" sz="quarter" idx="12"/>
+          </p:nvPr>
+        </p:nvSpPr>
+        <p:spPr/>
+        <p:txBody>
+          <a:bodyPr/>
+          <a:lstStyle/>
+          <a:p>
+            <a:pPr>
+              <a:defRPr/>
+            </a:pPr>
+            <a:fld id="{99E3D72C-B396-49C7-9055-03FBC73C5136}" type="slidenum">
+              <a:rPr lang="en-US" smtClean="0"/>
+              <a:pPr>
+                <a:defRPr/>
+              </a:pPr>
+              <a:t>11</a:t>
+            </a:fld>
+            <a:endParaRPr lang="en-US"/>
+          </a:p>
+        </p:txBody>
+      </p:sp>
+    </p:spTree>
+    <p:extLst>
+      <p:ext uri="{BB962C8B-B14F-4D97-AF65-F5344CB8AC3E}">
+        <p14:creationId xmlns:p14="http://schemas.microsoft.com/office/powerpoint/2010/main" val="4135661926"/>
+      </p:ext>
+    </p:extLst>
+  </p:cSld>
+  <p:clrMapOvr>
+    <a:masterClrMapping/>
+  </p:clrMapOvr>
+</p:sld>
+</file>
+
+<file path=ppt/slides/slide12.xml><?xml version="1.0" encoding="utf-8"?>
+<p:sld xmlns:a="http://schemas.openxmlformats.org/drawingml/2006/main" xmlns:r="http://schemas.openxmlformats.org/officeDocument/2006/relationships" xmlns:p="http://schemas.openxmlformats.org/presentationml/2006/main">
+  <p:cSld>
+    <p:spTree>
+      <p:nvGrpSpPr>
+        <p:cNvPr id="1" name=""/>
+        <p:cNvGrpSpPr/>
+        <p:nvPr/>
+      </p:nvGrpSpPr>
+      <p:grpSpPr>
+        <a:xfrm>
+          <a:off x="0" y="0"/>
+          <a:ext cx="0" cy="0"/>
+          <a:chOff x="0" y="0"/>
+          <a:chExt cx="0" cy="0"/>
+        </a:xfrm>
+      </p:grpSpPr>
+      <p:sp>
+        <p:nvSpPr>
+          <p:cNvPr id="2" name="标题 1"/>
+          <p:cNvSpPr>
+            <a:spLocks noGrp="1"/>
+          </p:cNvSpPr>
+          <p:nvPr>
+            <p:ph type="title"/>
+          </p:nvPr>
+        </p:nvSpPr>
+        <p:spPr/>
+        <p:txBody>
+          <a:bodyPr/>
+          <a:lstStyle/>
+          <a:p>
+            <a:r>
+              <a:rPr lang="en-US" altLang="zh-CN" dirty="0"/>
+              <a:t>Version Note</a:t>
+            </a:r>
+            <a:endParaRPr lang="zh-CN" altLang="en-US" dirty="0"/>
+          </a:p>
+        </p:txBody>
+      </p:sp>
+      <p:sp>
+        <p:nvSpPr>
+          <p:cNvPr id="3" name="内容占位符 2"/>
+          <p:cNvSpPr>
+            <a:spLocks noGrp="1"/>
+          </p:cNvSpPr>
+          <p:nvPr>
+            <p:ph idx="1"/>
+          </p:nvPr>
+        </p:nvSpPr>
+        <p:spPr/>
+        <p:txBody>
+          <a:bodyPr/>
+          <a:lstStyle/>
+          <a:p>
+            <a:r>
+              <a:rPr lang="en-US" altLang="zh-CN" dirty="0"/>
+              <a:t>Version 1.0:  created on 11/10/2015</a:t>
+            </a:r>
+            <a:endParaRPr lang="zh-CN" altLang="en-US" dirty="0"/>
+          </a:p>
+        </p:txBody>
+      </p:sp>
+      <p:sp>
+        <p:nvSpPr>
+          <p:cNvPr id="4" name="页脚占位符 3"/>
+          <p:cNvSpPr>
+            <a:spLocks noGrp="1"/>
+          </p:cNvSpPr>
+          <p:nvPr>
+            <p:ph type="ftr" sz="quarter" idx="11"/>
+          </p:nvPr>
+        </p:nvSpPr>
+        <p:spPr/>
+        <p:txBody>
+          <a:bodyPr/>
+          <a:lstStyle/>
+          <a:p>
+            <a:pPr>
+              <a:defRPr/>
+            </a:pPr>
+            <a:r>
+              <a:rPr lang="en-US"/>
+              <a:t>SVR Confidential</a:t>
+            </a:r>
+            <a:endParaRPr lang="en-US" dirty="0"/>
+          </a:p>
+        </p:txBody>
+      </p:sp>
+      <p:sp>
+        <p:nvSpPr>
+          <p:cNvPr id="5" name="灯片编号占位符 4"/>
+          <p:cNvSpPr>
+            <a:spLocks noGrp="1"/>
+          </p:cNvSpPr>
+          <p:nvPr>
+            <p:ph type="sldNum" sz="quarter" idx="12"/>
+          </p:nvPr>
+        </p:nvSpPr>
+        <p:spPr/>
+        <p:txBody>
+          <a:bodyPr/>
+          <a:lstStyle/>
+          <a:p>
+            <a:pPr>
+              <a:defRPr/>
+            </a:pPr>
+            <a:fld id="{99E3D72C-B396-49C7-9055-03FBC73C5136}" type="slidenum">
+              <a:rPr lang="en-US" smtClean="0"/>
+              <a:pPr>
+                <a:defRPr/>
+              </a:pPr>
+              <a:t>12</a:t>
+            </a:fld>
+            <a:endParaRPr lang="en-US"/>
+          </a:p>
+        </p:txBody>
+      </p:sp>
+    </p:spTree>
+    <p:extLst>
+      <p:ext uri="{BB962C8B-B14F-4D97-AF65-F5344CB8AC3E}">
+        <p14:creationId xmlns:p14="http://schemas.microsoft.com/office/powerpoint/2010/main" val="3826368643"/>
+      </p:ext>
+    </p:extLst>
+  </p:cSld>
+  <p:clrMapOvr>
+    <a:masterClrMapping/>
+  </p:clrMapOvr>
+</p:sld>
+</file>
+
 <file path=ppt/slides/slide2.xml><?xml version="1.0" encoding="utf-8"?>
 <p:sld xmlns:a="http://schemas.openxmlformats.org/drawingml/2006/main" xmlns:r="http://schemas.openxmlformats.org/officeDocument/2006/relationships" xmlns:p="http://schemas.openxmlformats.org/presentationml/2006/main">
   <p:cSld>
@@ -2395,8 +2824,8 @@
         </p:blipFill>
         <p:spPr>
           <a:xfrm>
-            <a:off x="1450848" y="824971"/>
-            <a:ext cx="9454925" cy="4873914"/>
+            <a:off x="4925568" y="734128"/>
+            <a:ext cx="5669280" cy="2922454"/>
           </a:xfrm>
           <a:prstGeom prst="rect">
             <a:avLst/>
@@ -3118,28 +3547,9 @@
           <a:p>
             <a:r>
               <a:rPr lang="en-US" altLang="zh-CN" dirty="0"/>
-              <a:t>Conclusion</a:t>
+              <a:t>Temperature Cal</a:t>
             </a:r>
             <a:endParaRPr lang="zh-CN" altLang="en-US" dirty="0"/>
-          </a:p>
-        </p:txBody>
-      </p:sp>
-      <p:sp>
-        <p:nvSpPr>
-          <p:cNvPr id="3" name="内容占位符 2"/>
-          <p:cNvSpPr>
-            <a:spLocks noGrp="1"/>
-          </p:cNvSpPr>
-          <p:nvPr>
-            <p:ph idx="1"/>
-          </p:nvPr>
-        </p:nvSpPr>
-        <p:spPr/>
-        <p:txBody>
-          <a:bodyPr/>
-          <a:lstStyle/>
-          <a:p>
-            <a:endParaRPr lang="zh-CN" altLang="en-US"/>
           </a:p>
         </p:txBody>
       </p:sp>
@@ -3198,10 +3608,72 @@
           </a:p>
         </p:txBody>
       </p:sp>
+      <p:pic>
+        <p:nvPicPr>
+          <p:cNvPr id="7" name="内容占位符 6">
+            <a:extLst>
+              <a:ext uri="{FF2B5EF4-FFF2-40B4-BE49-F238E27FC236}">
+                <a16:creationId xmlns:a16="http://schemas.microsoft.com/office/drawing/2014/main" id="{BD337523-7A98-4B0C-B947-53DE038180F4}"/>
+              </a:ext>
+            </a:extLst>
+          </p:cNvPr>
+          <p:cNvPicPr>
+            <a:picLocks noGrp="1" noChangeAspect="1"/>
+          </p:cNvPicPr>
+          <p:nvPr>
+            <p:ph idx="1"/>
+          </p:nvPr>
+        </p:nvPicPr>
+        <p:blipFill>
+          <a:blip r:embed="rId2"/>
+          <a:stretch>
+            <a:fillRect/>
+          </a:stretch>
+        </p:blipFill>
+        <p:spPr>
+          <a:xfrm>
+            <a:off x="1149350" y="1051560"/>
+            <a:ext cx="9010650" cy="1895475"/>
+          </a:xfrm>
+          <a:prstGeom prst="rect">
+            <a:avLst/>
+          </a:prstGeom>
+        </p:spPr>
+      </p:pic>
+      <p:pic>
+        <p:nvPicPr>
+          <p:cNvPr id="8" name="图片 7">
+            <a:extLst>
+              <a:ext uri="{FF2B5EF4-FFF2-40B4-BE49-F238E27FC236}">
+                <a16:creationId xmlns:a16="http://schemas.microsoft.com/office/drawing/2014/main" id="{39D44B62-173A-4292-9347-D499946F9E2F}"/>
+              </a:ext>
+            </a:extLst>
+          </p:cNvPr>
+          <p:cNvPicPr>
+            <a:picLocks noChangeAspect="1"/>
+          </p:cNvPicPr>
+          <p:nvPr/>
+        </p:nvPicPr>
+        <p:blipFill>
+          <a:blip r:embed="rId3"/>
+          <a:stretch>
+            <a:fillRect/>
+          </a:stretch>
+        </p:blipFill>
+        <p:spPr>
+          <a:xfrm>
+            <a:off x="1341120" y="3611880"/>
+            <a:ext cx="9105900" cy="904875"/>
+          </a:xfrm>
+          <a:prstGeom prst="rect">
+            <a:avLst/>
+          </a:prstGeom>
+        </p:spPr>
+      </p:pic>
     </p:spTree>
     <p:extLst>
       <p:ext uri="{BB962C8B-B14F-4D97-AF65-F5344CB8AC3E}">
-        <p14:creationId xmlns:p14="http://schemas.microsoft.com/office/powerpoint/2010/main" val="4135661926"/>
+        <p14:creationId xmlns:p14="http://schemas.microsoft.com/office/powerpoint/2010/main" val="3671693965"/>
       </p:ext>
     </p:extLst>
   </p:cSld>
@@ -3245,30 +3717,7 @@
           <a:p>
             <a:r>
               <a:rPr lang="en-US" altLang="zh-CN" dirty="0"/>
-              <a:t>Version Note</a:t>
-            </a:r>
-            <a:endParaRPr lang="zh-CN" altLang="en-US" dirty="0"/>
-          </a:p>
-        </p:txBody>
-      </p:sp>
-      <p:sp>
-        <p:nvSpPr>
-          <p:cNvPr id="3" name="内容占位符 2"/>
-          <p:cNvSpPr>
-            <a:spLocks noGrp="1"/>
-          </p:cNvSpPr>
-          <p:nvPr>
-            <p:ph idx="1"/>
-          </p:nvPr>
-        </p:nvSpPr>
-        <p:spPr/>
-        <p:txBody>
-          <a:bodyPr/>
-          <a:lstStyle/>
-          <a:p>
-            <a:r>
-              <a:rPr lang="en-US" altLang="zh-CN" dirty="0"/>
-              <a:t>Version 1.0:  created on 11/10/2015</a:t>
+              <a:t>Accel Cal</a:t>
             </a:r>
             <a:endParaRPr lang="zh-CN" altLang="en-US" dirty="0"/>
           </a:p>
@@ -3329,10 +3778,70 @@
           </a:p>
         </p:txBody>
       </p:sp>
+      <p:pic>
+        <p:nvPicPr>
+          <p:cNvPr id="9" name="图片 8">
+            <a:extLst>
+              <a:ext uri="{FF2B5EF4-FFF2-40B4-BE49-F238E27FC236}">
+                <a16:creationId xmlns:a16="http://schemas.microsoft.com/office/drawing/2014/main" id="{EA73CF16-D10E-4D23-87B2-0B66DCBE1F7D}"/>
+              </a:ext>
+            </a:extLst>
+          </p:cNvPr>
+          <p:cNvPicPr>
+            <a:picLocks noChangeAspect="1"/>
+          </p:cNvPicPr>
+          <p:nvPr/>
+        </p:nvPicPr>
+        <p:blipFill>
+          <a:blip r:embed="rId2"/>
+          <a:stretch>
+            <a:fillRect/>
+          </a:stretch>
+        </p:blipFill>
+        <p:spPr>
+          <a:xfrm>
+            <a:off x="316992" y="941832"/>
+            <a:ext cx="8820150" cy="1828800"/>
+          </a:xfrm>
+          <a:prstGeom prst="rect">
+            <a:avLst/>
+          </a:prstGeom>
+        </p:spPr>
+      </p:pic>
+      <p:pic>
+        <p:nvPicPr>
+          <p:cNvPr id="10" name="图片 9">
+            <a:extLst>
+              <a:ext uri="{FF2B5EF4-FFF2-40B4-BE49-F238E27FC236}">
+                <a16:creationId xmlns:a16="http://schemas.microsoft.com/office/drawing/2014/main" id="{12CC970A-70AF-45F9-8BB0-44BF73C2573B}"/>
+              </a:ext>
+            </a:extLst>
+          </p:cNvPr>
+          <p:cNvPicPr>
+            <a:picLocks noChangeAspect="1"/>
+          </p:cNvPicPr>
+          <p:nvPr/>
+        </p:nvPicPr>
+        <p:blipFill>
+          <a:blip r:embed="rId3"/>
+          <a:stretch>
+            <a:fillRect/>
+          </a:stretch>
+        </p:blipFill>
+        <p:spPr>
+          <a:xfrm>
+            <a:off x="316992" y="2854103"/>
+            <a:ext cx="5467350" cy="1457325"/>
+          </a:xfrm>
+          <a:prstGeom prst="rect">
+            <a:avLst/>
+          </a:prstGeom>
+        </p:spPr>
+      </p:pic>
     </p:spTree>
     <p:extLst>
       <p:ext uri="{BB962C8B-B14F-4D97-AF65-F5344CB8AC3E}">
-        <p14:creationId xmlns:p14="http://schemas.microsoft.com/office/powerpoint/2010/main" val="3826368643"/>
+        <p14:creationId xmlns:p14="http://schemas.microsoft.com/office/powerpoint/2010/main" val="1111493854"/>
       </p:ext>
     </p:extLst>
   </p:cSld>

--- a/EE/Accel/Accel MPU-6050.pptx
+++ b/EE/Accel/Accel MPU-6050.pptx
@@ -5,10 +5,10 @@
     <p:sldMasterId id="2147483648" r:id="rId1"/>
   </p:sldMasterIdLst>
   <p:notesMasterIdLst>
-    <p:notesMasterId r:id="rId14"/>
+    <p:notesMasterId r:id="rId15"/>
   </p:notesMasterIdLst>
   <p:handoutMasterIdLst>
-    <p:handoutMasterId r:id="rId15"/>
+    <p:handoutMasterId r:id="rId16"/>
   </p:handoutMasterIdLst>
   <p:sldIdLst>
     <p:sldId id="256" r:id="rId2"/>
@@ -21,8 +21,9 @@
     <p:sldId id="322" r:id="rId9"/>
     <p:sldId id="323" r:id="rId10"/>
     <p:sldId id="325" r:id="rId11"/>
-    <p:sldId id="315" r:id="rId12"/>
-    <p:sldId id="316" r:id="rId13"/>
+    <p:sldId id="326" r:id="rId12"/>
+    <p:sldId id="315" r:id="rId13"/>
+    <p:sldId id="316" r:id="rId14"/>
   </p:sldIdLst>
   <p:sldSz cx="12192000" cy="6858000"/>
   <p:notesSz cx="6858000" cy="9144000"/>
@@ -271,7 +272,7 @@
           <a:p>
             <a:fld id="{F7D362FE-C063-4D8C-8C43-D4118038CCF2}" type="datetimeFigureOut">
               <a:rPr lang="en-US" smtClean="0"/>
-              <a:t>12/20/2018</a:t>
+              <a:t>1/11/2019</a:t>
             </a:fld>
             <a:endParaRPr lang="en-US"/>
           </a:p>
@@ -450,7 +451,7 @@
               <a:pPr>
                 <a:defRPr/>
               </a:pPr>
-              <a:t>12/20/2018</a:t>
+              <a:t>1/11/2019</a:t>
             </a:fld>
             <a:endParaRPr lang="en-US"/>
           </a:p>
@@ -2259,29 +2260,10 @@
           <a:lstStyle/>
           <a:p>
             <a:r>
-              <a:rPr lang="en-US" altLang="zh-CN" dirty="0"/>
-              <a:t>Conclusion</a:t>
+              <a:rPr lang="en-US" altLang="zh-CN" dirty="0" err="1"/>
+              <a:t>Inv_mpu.c</a:t>
             </a:r>
             <a:endParaRPr lang="zh-CN" altLang="en-US" dirty="0"/>
-          </a:p>
-        </p:txBody>
-      </p:sp>
-      <p:sp>
-        <p:nvSpPr>
-          <p:cNvPr id="3" name="内容占位符 2"/>
-          <p:cNvSpPr>
-            <a:spLocks noGrp="1"/>
-          </p:cNvSpPr>
-          <p:nvPr>
-            <p:ph idx="1"/>
-          </p:nvPr>
-        </p:nvSpPr>
-        <p:spPr/>
-        <p:txBody>
-          <a:bodyPr/>
-          <a:lstStyle/>
-          <a:p>
-            <a:endParaRPr lang="zh-CN" altLang="en-US"/>
           </a:p>
         </p:txBody>
       </p:sp>
@@ -2340,10 +2322,70 @@
           </a:p>
         </p:txBody>
       </p:sp>
+      <p:pic>
+        <p:nvPicPr>
+          <p:cNvPr id="7" name="图片 6">
+            <a:extLst>
+              <a:ext uri="{FF2B5EF4-FFF2-40B4-BE49-F238E27FC236}">
+                <a16:creationId xmlns:a16="http://schemas.microsoft.com/office/drawing/2014/main" id="{C413315D-04C2-40F4-9C69-DE136D269297}"/>
+              </a:ext>
+            </a:extLst>
+          </p:cNvPr>
+          <p:cNvPicPr>
+            <a:picLocks noChangeAspect="1"/>
+          </p:cNvPicPr>
+          <p:nvPr/>
+        </p:nvPicPr>
+        <p:blipFill>
+          <a:blip r:embed="rId2"/>
+          <a:stretch>
+            <a:fillRect/>
+          </a:stretch>
+        </p:blipFill>
+        <p:spPr>
+          <a:xfrm>
+            <a:off x="5291328" y="865822"/>
+            <a:ext cx="2438400" cy="1514475"/>
+          </a:xfrm>
+          <a:prstGeom prst="rect">
+            <a:avLst/>
+          </a:prstGeom>
+        </p:spPr>
+      </p:pic>
+      <p:pic>
+        <p:nvPicPr>
+          <p:cNvPr id="8" name="图片 7">
+            <a:extLst>
+              <a:ext uri="{FF2B5EF4-FFF2-40B4-BE49-F238E27FC236}">
+                <a16:creationId xmlns:a16="http://schemas.microsoft.com/office/drawing/2014/main" id="{5768AD60-1C30-491A-950F-10875426341A}"/>
+              </a:ext>
+            </a:extLst>
+          </p:cNvPr>
+          <p:cNvPicPr>
+            <a:picLocks noChangeAspect="1"/>
+          </p:cNvPicPr>
+          <p:nvPr/>
+        </p:nvPicPr>
+        <p:blipFill>
+          <a:blip r:embed="rId3"/>
+          <a:stretch>
+            <a:fillRect/>
+          </a:stretch>
+        </p:blipFill>
+        <p:spPr>
+          <a:xfrm>
+            <a:off x="463296" y="865822"/>
+            <a:ext cx="4467225" cy="1885950"/>
+          </a:xfrm>
+          <a:prstGeom prst="rect">
+            <a:avLst/>
+          </a:prstGeom>
+        </p:spPr>
+      </p:pic>
     </p:spTree>
     <p:extLst>
       <p:ext uri="{BB962C8B-B14F-4D97-AF65-F5344CB8AC3E}">
-        <p14:creationId xmlns:p14="http://schemas.microsoft.com/office/powerpoint/2010/main" val="4135661926"/>
+        <p14:creationId xmlns:p14="http://schemas.microsoft.com/office/powerpoint/2010/main" val="3780673218"/>
       </p:ext>
     </p:extLst>
   </p:cSld>
@@ -2387,7 +2429,7 @@
           <a:p>
             <a:r>
               <a:rPr lang="en-US" altLang="zh-CN" dirty="0"/>
-              <a:t>Version Note</a:t>
+              <a:t>Conclusion</a:t>
             </a:r>
             <a:endParaRPr lang="zh-CN" altLang="en-US" dirty="0"/>
           </a:p>
@@ -2408,11 +2450,7 @@
           <a:bodyPr/>
           <a:lstStyle/>
           <a:p>
-            <a:r>
-              <a:rPr lang="en-US" altLang="zh-CN" dirty="0"/>
-              <a:t>Version 1.0:  created on 11/10/2015</a:t>
-            </a:r>
-            <a:endParaRPr lang="zh-CN" altLang="en-US" dirty="0"/>
+            <a:endParaRPr lang="zh-CN" altLang="en-US"/>
           </a:p>
         </p:txBody>
       </p:sp>
@@ -2466,6 +2504,137 @@
                 <a:defRPr/>
               </a:pPr>
               <a:t>12</a:t>
+            </a:fld>
+            <a:endParaRPr lang="en-US"/>
+          </a:p>
+        </p:txBody>
+      </p:sp>
+    </p:spTree>
+    <p:extLst>
+      <p:ext uri="{BB962C8B-B14F-4D97-AF65-F5344CB8AC3E}">
+        <p14:creationId xmlns:p14="http://schemas.microsoft.com/office/powerpoint/2010/main" val="4135661926"/>
+      </p:ext>
+    </p:extLst>
+  </p:cSld>
+  <p:clrMapOvr>
+    <a:masterClrMapping/>
+  </p:clrMapOvr>
+</p:sld>
+</file>
+
+<file path=ppt/slides/slide13.xml><?xml version="1.0" encoding="utf-8"?>
+<p:sld xmlns:a="http://schemas.openxmlformats.org/drawingml/2006/main" xmlns:r="http://schemas.openxmlformats.org/officeDocument/2006/relationships" xmlns:p="http://schemas.openxmlformats.org/presentationml/2006/main">
+  <p:cSld>
+    <p:spTree>
+      <p:nvGrpSpPr>
+        <p:cNvPr id="1" name=""/>
+        <p:cNvGrpSpPr/>
+        <p:nvPr/>
+      </p:nvGrpSpPr>
+      <p:grpSpPr>
+        <a:xfrm>
+          <a:off x="0" y="0"/>
+          <a:ext cx="0" cy="0"/>
+          <a:chOff x="0" y="0"/>
+          <a:chExt cx="0" cy="0"/>
+        </a:xfrm>
+      </p:grpSpPr>
+      <p:sp>
+        <p:nvSpPr>
+          <p:cNvPr id="2" name="标题 1"/>
+          <p:cNvSpPr>
+            <a:spLocks noGrp="1"/>
+          </p:cNvSpPr>
+          <p:nvPr>
+            <p:ph type="title"/>
+          </p:nvPr>
+        </p:nvSpPr>
+        <p:spPr/>
+        <p:txBody>
+          <a:bodyPr/>
+          <a:lstStyle/>
+          <a:p>
+            <a:r>
+              <a:rPr lang="en-US" altLang="zh-CN" dirty="0"/>
+              <a:t>Version Note</a:t>
+            </a:r>
+            <a:endParaRPr lang="zh-CN" altLang="en-US" dirty="0"/>
+          </a:p>
+        </p:txBody>
+      </p:sp>
+      <p:sp>
+        <p:nvSpPr>
+          <p:cNvPr id="3" name="内容占位符 2"/>
+          <p:cNvSpPr>
+            <a:spLocks noGrp="1"/>
+          </p:cNvSpPr>
+          <p:nvPr>
+            <p:ph idx="1"/>
+          </p:nvPr>
+        </p:nvSpPr>
+        <p:spPr/>
+        <p:txBody>
+          <a:bodyPr/>
+          <a:lstStyle/>
+          <a:p>
+            <a:r>
+              <a:rPr lang="en-US" altLang="zh-CN" dirty="0"/>
+              <a:t>Version 1.0:  created on 11/10/2015</a:t>
+            </a:r>
+            <a:endParaRPr lang="zh-CN" altLang="en-US" dirty="0"/>
+          </a:p>
+        </p:txBody>
+      </p:sp>
+      <p:sp>
+        <p:nvSpPr>
+          <p:cNvPr id="4" name="页脚占位符 3"/>
+          <p:cNvSpPr>
+            <a:spLocks noGrp="1"/>
+          </p:cNvSpPr>
+          <p:nvPr>
+            <p:ph type="ftr" sz="quarter" idx="11"/>
+          </p:nvPr>
+        </p:nvSpPr>
+        <p:spPr/>
+        <p:txBody>
+          <a:bodyPr/>
+          <a:lstStyle/>
+          <a:p>
+            <a:pPr>
+              <a:defRPr/>
+            </a:pPr>
+            <a:r>
+              <a:rPr lang="en-US"/>
+              <a:t>SVR Confidential</a:t>
+            </a:r>
+            <a:endParaRPr lang="en-US" dirty="0"/>
+          </a:p>
+        </p:txBody>
+      </p:sp>
+      <p:sp>
+        <p:nvSpPr>
+          <p:cNvPr id="5" name="灯片编号占位符 4"/>
+          <p:cNvSpPr>
+            <a:spLocks noGrp="1"/>
+          </p:cNvSpPr>
+          <p:nvPr>
+            <p:ph type="sldNum" sz="quarter" idx="12"/>
+          </p:nvPr>
+        </p:nvSpPr>
+        <p:spPr/>
+        <p:txBody>
+          <a:bodyPr/>
+          <a:lstStyle/>
+          <a:p>
+            <a:pPr>
+              <a:defRPr/>
+            </a:pPr>
+            <a:fld id="{99E3D72C-B396-49C7-9055-03FBC73C5136}" type="slidenum">
+              <a:rPr lang="en-US" smtClean="0"/>
+              <a:pPr>
+                <a:defRPr/>
+              </a:pPr>
+              <a:t>13</a:t>
             </a:fld>
             <a:endParaRPr lang="en-US"/>
           </a:p>
